--- a/Presentation 2 final.pptx
+++ b/Presentation 2 final.pptx
@@ -542,7 +542,7 @@
           <a:p>
             <a:fld id="{9D0D92BC-42A9-434B-8530-ADBF4485E407}" type="datetimeFigureOut">
               <a:rPr lang="en-US" smtClean="0"/>
-              <a:t>12/7/2023</a:t>
+              <a:t>12/8/2023</a:t>
             </a:fld>
             <a:endParaRPr lang="en-US"/>
           </a:p>
@@ -793,7 +793,7 @@
           <a:p>
             <a:fld id="{9D0D92BC-42A9-434B-8530-ADBF4485E407}" type="datetimeFigureOut">
               <a:rPr lang="en-US" smtClean="0"/>
-              <a:t>12/7/2023</a:t>
+              <a:t>12/8/2023</a:t>
             </a:fld>
             <a:endParaRPr lang="en-US"/>
           </a:p>
@@ -1001,7 +1001,7 @@
           <a:p>
             <a:fld id="{9D0D92BC-42A9-434B-8530-ADBF4485E407}" type="datetimeFigureOut">
               <a:rPr lang="en-US" smtClean="0"/>
-              <a:t>12/7/2023</a:t>
+              <a:t>12/8/2023</a:t>
             </a:fld>
             <a:endParaRPr lang="en-US"/>
           </a:p>
@@ -1199,7 +1199,7 @@
           <a:p>
             <a:fld id="{9D0D92BC-42A9-434B-8530-ADBF4485E407}" type="datetimeFigureOut">
               <a:rPr lang="en-US" smtClean="0"/>
-              <a:t>12/7/2023</a:t>
+              <a:t>12/8/2023</a:t>
             </a:fld>
             <a:endParaRPr lang="en-US"/>
           </a:p>
@@ -1479,7 +1479,7 @@
           <a:p>
             <a:fld id="{9D0D92BC-42A9-434B-8530-ADBF4485E407}" type="datetimeFigureOut">
               <a:rPr lang="en-US" smtClean="0"/>
-              <a:t>12/7/2023</a:t>
+              <a:t>12/8/2023</a:t>
             </a:fld>
             <a:endParaRPr lang="en-US"/>
           </a:p>
@@ -1787,7 +1787,7 @@
           <a:p>
             <a:fld id="{9D0D92BC-42A9-434B-8530-ADBF4485E407}" type="datetimeFigureOut">
               <a:rPr lang="en-US" smtClean="0"/>
-              <a:t>12/7/2023</a:t>
+              <a:t>12/8/2023</a:t>
             </a:fld>
             <a:endParaRPr lang="en-US"/>
           </a:p>
@@ -2207,7 +2207,7 @@
           <a:p>
             <a:fld id="{9D0D92BC-42A9-434B-8530-ADBF4485E407}" type="datetimeFigureOut">
               <a:rPr lang="en-US" smtClean="0"/>
-              <a:t>12/7/2023</a:t>
+              <a:t>12/8/2023</a:t>
             </a:fld>
             <a:endParaRPr lang="en-US"/>
           </a:p>
@@ -2439,7 +2439,7 @@
           <a:p>
             <a:fld id="{9D0D92BC-42A9-434B-8530-ADBF4485E407}" type="datetimeFigureOut">
               <a:rPr lang="en-US" smtClean="0"/>
-              <a:t>12/7/2023</a:t>
+              <a:t>12/8/2023</a:t>
             </a:fld>
             <a:endParaRPr lang="en-US"/>
           </a:p>
@@ -2552,7 +2552,7 @@
           <a:p>
             <a:fld id="{9D0D92BC-42A9-434B-8530-ADBF4485E407}" type="datetimeFigureOut">
               <a:rPr lang="en-US" smtClean="0"/>
-              <a:t>12/7/2023</a:t>
+              <a:t>12/8/2023</a:t>
             </a:fld>
             <a:endParaRPr lang="en-US"/>
           </a:p>
@@ -2869,7 +2869,7 @@
           <a:p>
             <a:fld id="{9D0D92BC-42A9-434B-8530-ADBF4485E407}" type="datetimeFigureOut">
               <a:rPr lang="en-US" smtClean="0"/>
-              <a:t>12/7/2023</a:t>
+              <a:t>12/8/2023</a:t>
             </a:fld>
             <a:endParaRPr lang="en-US"/>
           </a:p>
@@ -3161,7 +3161,7 @@
           <a:p>
             <a:fld id="{9D0D92BC-42A9-434B-8530-ADBF4485E407}" type="datetimeFigureOut">
               <a:rPr lang="en-US" smtClean="0"/>
-              <a:t>12/7/2023</a:t>
+              <a:t>12/8/2023</a:t>
             </a:fld>
             <a:endParaRPr lang="en-US"/>
           </a:p>
@@ -3468,7 +3468,7 @@
             <a:fld id="{9D0D92BC-42A9-434B-8530-ADBF4485E407}" type="datetimeFigureOut">
               <a:rPr lang="en-US" smtClean="0"/>
               <a:pPr/>
-              <a:t>12/7/2023</a:t>
+              <a:t>12/8/2023</a:t>
             </a:fld>
             <a:endParaRPr lang="en-US"/>
           </a:p>
@@ -7556,14 +7556,14 @@
               <a:buNone/>
             </a:pPr>
             <a:r>
-              <a:rPr lang="en-GB">
+              <a:rPr lang="en-GB" dirty="0">
                 <a:latin typeface="Times New Roman"/>
                 <a:ea typeface="+mn-lt"/>
                 <a:cs typeface="+mn-lt"/>
               </a:rPr>
               <a:t>BOOK THE DOCTOR system offers a wide range of features that makes easy to manage doctor's and patient's data. The software shows a menu bar from where user can select the required services like:</a:t>
             </a:r>
-            <a:endParaRPr lang="en-GB">
+            <a:endParaRPr lang="en-GB" dirty="0">
               <a:latin typeface="Times New Roman"/>
               <a:cs typeface="Times New Roman"/>
             </a:endParaRPr>
@@ -7574,12 +7574,12 @@
               <a:buChar char="q"/>
             </a:pPr>
             <a:r>
-              <a:rPr lang="en-GB">
+              <a:rPr lang="en-GB" dirty="0">
                 <a:latin typeface="Times New Roman"/>
               </a:rPr>
               <a:t>Add Doctor Details</a:t>
             </a:r>
-            <a:endParaRPr lang="en-GB">
+            <a:endParaRPr lang="en-GB" dirty="0">
               <a:latin typeface="Times New Roman"/>
               <a:cs typeface="Times New Roman"/>
             </a:endParaRPr>
@@ -7590,7 +7590,7 @@
               <a:buChar char="q"/>
             </a:pPr>
             <a:r>
-              <a:rPr lang="en-GB">
+              <a:rPr lang="en-GB" dirty="0">
                 <a:latin typeface="Times New Roman"/>
                 <a:cs typeface="Times New Roman"/>
               </a:rPr>
@@ -7603,7 +7603,7 @@
               <a:buChar char="q"/>
             </a:pPr>
             <a:r>
-              <a:rPr lang="en-GB">
+              <a:rPr lang="en-GB" dirty="0">
                 <a:latin typeface="Times New Roman"/>
                 <a:cs typeface="Times New Roman"/>
               </a:rPr>
@@ -7616,7 +7616,7 @@
               <a:buChar char="q"/>
             </a:pPr>
             <a:r>
-              <a:rPr lang="en-GB">
+              <a:rPr lang="en-GB" dirty="0">
                 <a:latin typeface="Times New Roman"/>
                 <a:cs typeface="Times New Roman"/>
               </a:rPr>
@@ -7629,7 +7629,7 @@
               <a:buChar char="q"/>
             </a:pPr>
             <a:r>
-              <a:rPr lang="en-GB">
+              <a:rPr lang="en-GB" dirty="0">
                 <a:latin typeface="Times New Roman"/>
                 <a:cs typeface="Times New Roman"/>
               </a:rPr>
@@ -7642,7 +7642,7 @@
               <a:buChar char="q"/>
             </a:pPr>
             <a:r>
-              <a:rPr lang="en-GB">
+              <a:rPr lang="en-GB" dirty="0">
                 <a:latin typeface="Times New Roman"/>
                 <a:cs typeface="Times New Roman"/>
               </a:rPr>
@@ -7654,7 +7654,7 @@
               <a:buFont typeface="Wingdings" panose="020B0604020202020204" pitchFamily="34" charset="0"/>
               <a:buChar char="q"/>
             </a:pPr>
-            <a:endParaRPr lang="en-GB"/>
+            <a:endParaRPr lang="en-GB" dirty="0"/>
           </a:p>
         </p:txBody>
       </p:sp>
@@ -7920,13 +7920,20 @@
               <a:buNone/>
             </a:pPr>
             <a:r>
+              <a:rPr lang="en-GB" dirty="0">
+                <a:latin typeface="Times New Roman"/>
+                <a:cs typeface="Times New Roman"/>
+              </a:rPr>
+              <a:t>The key features of the system include following </a:t>
+            </a:r>
+            <a:r>
               <a:rPr lang="en-GB">
                 <a:latin typeface="Times New Roman"/>
                 <a:cs typeface="Times New Roman"/>
               </a:rPr>
-              <a:t>The key features of the system include following things:</a:t>
-            </a:r>
-            <a:endParaRPr lang="en-US">
+              <a:t>things:</a:t>
+            </a:r>
+            <a:endParaRPr lang="en-GB" dirty="0">
               <a:latin typeface="Times New Roman"/>
               <a:cs typeface="Times New Roman"/>
             </a:endParaRPr>
@@ -7937,11 +7944,11 @@
               <a:buChar char="q"/>
             </a:pPr>
             <a:r>
-              <a:rPr lang="en-GB">
+              <a:rPr lang="en-GB" dirty="0">
                 <a:latin typeface="Times New Roman"/>
                 <a:cs typeface="Times New Roman"/>
               </a:rPr>
-              <a:t>Login</a:t>
+              <a:t>Appointment Check</a:t>
             </a:r>
           </a:p>
           <a:p>
@@ -7950,11 +7957,11 @@
               <a:buChar char="q"/>
             </a:pPr>
             <a:r>
-              <a:rPr lang="en-GB">
+              <a:rPr lang="en-GB" dirty="0">
                 <a:latin typeface="Times New Roman"/>
                 <a:cs typeface="Times New Roman"/>
               </a:rPr>
-              <a:t>Appointment Check</a:t>
+              <a:t>Appoint The Doctor</a:t>
             </a:r>
           </a:p>
           <a:p>
@@ -7963,11 +7970,11 @@
               <a:buChar char="q"/>
             </a:pPr>
             <a:r>
-              <a:rPr lang="en-GB">
+              <a:rPr lang="en-GB" dirty="0">
                 <a:latin typeface="Times New Roman"/>
                 <a:cs typeface="Times New Roman"/>
               </a:rPr>
-              <a:t>Appoint The Doctor</a:t>
+              <a:t>Doctor Information</a:t>
             </a:r>
           </a:p>
           <a:p>
@@ -7976,11 +7983,11 @@
               <a:buChar char="q"/>
             </a:pPr>
             <a:r>
-              <a:rPr lang="en-GB">
+              <a:rPr lang="en-GB" dirty="0">
                 <a:latin typeface="Times New Roman"/>
                 <a:cs typeface="Times New Roman"/>
               </a:rPr>
-              <a:t>Doctor Information</a:t>
+              <a:t>Patient Information</a:t>
             </a:r>
           </a:p>
           <a:p>
@@ -7988,40 +7995,14 @@
               <a:buFont typeface="Wingdings" panose="020B0604020202020204" pitchFamily="34" charset="0"/>
               <a:buChar char="q"/>
             </a:pPr>
-            <a:r>
-              <a:rPr lang="en-GB">
-                <a:latin typeface="Times New Roman"/>
-                <a:cs typeface="Times New Roman"/>
-              </a:rPr>
-              <a:t>Patient Information</a:t>
-            </a:r>
-          </a:p>
-          <a:p>
-            <a:pPr marL="285750" indent="-285750">
-              <a:buFont typeface="Wingdings" panose="020B0604020202020204" pitchFamily="34" charset="0"/>
-              <a:buChar char="q"/>
-            </a:pPr>
-            <a:r>
-              <a:rPr lang="en-GB">
-                <a:latin typeface="Times New Roman"/>
-                <a:cs typeface="Times New Roman"/>
-              </a:rPr>
-              <a:t>Log Out</a:t>
-            </a:r>
-          </a:p>
-          <a:p>
-            <a:pPr marL="285750" indent="-285750">
-              <a:buFont typeface="Wingdings" panose="020B0604020202020204" pitchFamily="34" charset="0"/>
-              <a:buChar char="q"/>
-            </a:pPr>
-            <a:endParaRPr lang="en-GB"/>
+            <a:endParaRPr lang="en-GB" dirty="0"/>
           </a:p>
           <a:p>
             <a:pPr>
               <a:buFont typeface="Wingdings" panose="020B0604020202020204" pitchFamily="34" charset="0"/>
               <a:buChar char="q"/>
             </a:pPr>
-            <a:endParaRPr lang="en-GB"/>
+            <a:endParaRPr lang="en-GB" dirty="0"/>
           </a:p>
         </p:txBody>
       </p:sp>
